--- a/src/test/resources/parser/variable_with_argument.pptx
+++ b/src/test/resources/parser/variable_with_argument.pptx
@@ -289,7 +289,7 @@
             <a:fld id="{9FC107EB-C707-484C-BC2D-0ED64D9C7FD4}" type="datetimeFigureOut">
               <a:rPr lang="fr-FR" smtClean="0"/>
               <a:pPr/>
-              <a:t>21/12/2016</a:t>
+              <a:t>23/12/2016</a:t>
             </a:fld>
             <a:endParaRPr lang="fr-FR"/>
           </a:p>
@@ -456,7 +456,7 @@
             <a:fld id="{9FC107EB-C707-484C-BC2D-0ED64D9C7FD4}" type="datetimeFigureOut">
               <a:rPr lang="fr-FR" smtClean="0"/>
               <a:pPr/>
-              <a:t>21/12/2016</a:t>
+              <a:t>23/12/2016</a:t>
             </a:fld>
             <a:endParaRPr lang="fr-FR"/>
           </a:p>
@@ -633,7 +633,7 @@
             <a:fld id="{9FC107EB-C707-484C-BC2D-0ED64D9C7FD4}" type="datetimeFigureOut">
               <a:rPr lang="fr-FR" smtClean="0"/>
               <a:pPr/>
-              <a:t>21/12/2016</a:t>
+              <a:t>23/12/2016</a:t>
             </a:fld>
             <a:endParaRPr lang="fr-FR"/>
           </a:p>
@@ -800,7 +800,7 @@
             <a:fld id="{9FC107EB-C707-484C-BC2D-0ED64D9C7FD4}" type="datetimeFigureOut">
               <a:rPr lang="fr-FR" smtClean="0"/>
               <a:pPr/>
-              <a:t>21/12/2016</a:t>
+              <a:t>23/12/2016</a:t>
             </a:fld>
             <a:endParaRPr lang="fr-FR"/>
           </a:p>
@@ -1043,7 +1043,7 @@
             <a:fld id="{9FC107EB-C707-484C-BC2D-0ED64D9C7FD4}" type="datetimeFigureOut">
               <a:rPr lang="fr-FR" smtClean="0"/>
               <a:pPr/>
-              <a:t>21/12/2016</a:t>
+              <a:t>23/12/2016</a:t>
             </a:fld>
             <a:endParaRPr lang="fr-FR"/>
           </a:p>
@@ -1328,7 +1328,7 @@
             <a:fld id="{9FC107EB-C707-484C-BC2D-0ED64D9C7FD4}" type="datetimeFigureOut">
               <a:rPr lang="fr-FR" smtClean="0"/>
               <a:pPr/>
-              <a:t>21/12/2016</a:t>
+              <a:t>23/12/2016</a:t>
             </a:fld>
             <a:endParaRPr lang="fr-FR"/>
           </a:p>
@@ -1747,7 +1747,7 @@
             <a:fld id="{9FC107EB-C707-484C-BC2D-0ED64D9C7FD4}" type="datetimeFigureOut">
               <a:rPr lang="fr-FR" smtClean="0"/>
               <a:pPr/>
-              <a:t>21/12/2016</a:t>
+              <a:t>23/12/2016</a:t>
             </a:fld>
             <a:endParaRPr lang="fr-FR"/>
           </a:p>
@@ -1862,7 +1862,7 @@
             <a:fld id="{9FC107EB-C707-484C-BC2D-0ED64D9C7FD4}" type="datetimeFigureOut">
               <a:rPr lang="fr-FR" smtClean="0"/>
               <a:pPr/>
-              <a:t>21/12/2016</a:t>
+              <a:t>23/12/2016</a:t>
             </a:fld>
             <a:endParaRPr lang="fr-FR"/>
           </a:p>
@@ -1954,7 +1954,7 @@
             <a:fld id="{9FC107EB-C707-484C-BC2D-0ED64D9C7FD4}" type="datetimeFigureOut">
               <a:rPr lang="fr-FR" smtClean="0"/>
               <a:pPr/>
-              <a:t>21/12/2016</a:t>
+              <a:t>23/12/2016</a:t>
             </a:fld>
             <a:endParaRPr lang="fr-FR"/>
           </a:p>
@@ -2228,7 +2228,7 @@
             <a:fld id="{9FC107EB-C707-484C-BC2D-0ED64D9C7FD4}" type="datetimeFigureOut">
               <a:rPr lang="fr-FR" smtClean="0"/>
               <a:pPr/>
-              <a:t>21/12/2016</a:t>
+              <a:t>23/12/2016</a:t>
             </a:fld>
             <a:endParaRPr lang="fr-FR"/>
           </a:p>
@@ -2478,7 +2478,7 @@
             <a:fld id="{9FC107EB-C707-484C-BC2D-0ED64D9C7FD4}" type="datetimeFigureOut">
               <a:rPr lang="fr-FR" smtClean="0"/>
               <a:pPr/>
-              <a:t>21/12/2016</a:t>
+              <a:t>23/12/2016</a:t>
             </a:fld>
             <a:endParaRPr lang="fr-FR"/>
           </a:p>
@@ -2688,7 +2688,7 @@
             <a:fld id="{9FC107EB-C707-484C-BC2D-0ED64D9C7FD4}" type="datetimeFigureOut">
               <a:rPr lang="fr-FR" smtClean="0"/>
               <a:pPr/>
-              <a:t>21/12/2016</a:t>
+              <a:t>23/12/2016</a:t>
             </a:fld>
             <a:endParaRPr lang="fr-FR"/>
           </a:p>
@@ -3086,16 +3086,8 @@
               <a:t>$/</a:t>
             </a:r>
             <a:r>
-              <a:rPr lang="fr-FR" dirty="0" smtClean="0"/>
-              <a:t>var:’</a:t>
-            </a:r>
-            <a:r>
-              <a:rPr lang="fr-FR" dirty="0" err="1" smtClean="0"/>
-              <a:t>arg</a:t>
-            </a:r>
-            <a:r>
-              <a:rPr lang="fr-FR" dirty="0" smtClean="0"/>
-              <a:t>’/</a:t>
+              <a:rPr lang="fr-FR" smtClean="0"/>
+              <a:t>var:arg/</a:t>
             </a:r>
             <a:endParaRPr lang="fr-FR" dirty="0" smtClean="0"/>
           </a:p>
